--- a/WebContent/WEB-INF/templates/CSJ/postUnison.pptx
+++ b/WebContent/WEB-INF/templates/CSJ/postUnison.pptx
@@ -120,7 +120,7 @@
   </p:defaultTextStyle>
   <p:extLst>
     <p:ext uri="{EFAFB233-063F-42B5-8137-9DF3F51BA10A}">
-      <p15:sldGuideLst xmlns:p15="http://schemas.microsoft.com/office/powerpoint/2012/main">
+      <p15:sldGuideLst xmlns:p15="http://schemas.microsoft.com/office/powerpoint/2012/main" xmlns="">
         <p15:guide id="1" orient="horz" pos="2160" userDrawn="1">
           <p15:clr>
             <a:srgbClr val="A4A3A4"/>
@@ -219,7 +219,7 @@
           <a:p>
             <a:fld id="{B4297479-840D-294F-9C08-55F5B586E708}" type="datetimeFigureOut">
               <a:rPr lang="en-US" smtClean="0"/>
-              <a:t>1/6/19</a:t>
+              <a:t>12/01/20</a:t>
             </a:fld>
             <a:endParaRPr lang="en-US"/>
           </a:p>
@@ -665,7 +665,7 @@
           <a:p>
             <a:fld id="{30F42486-D2A3-2447-A496-D33DD53C7227}" type="datetimeFigureOut">
               <a:rPr lang="en-US" smtClean="0"/>
-              <a:t>1/6/19</a:t>
+              <a:t>12/01/20</a:t>
             </a:fld>
             <a:endParaRPr lang="en-US"/>
           </a:p>
@@ -833,7 +833,7 @@
           <a:p>
             <a:fld id="{30F42486-D2A3-2447-A496-D33DD53C7227}" type="datetimeFigureOut">
               <a:rPr lang="en-US" smtClean="0"/>
-              <a:t>1/6/19</a:t>
+              <a:t>12/01/20</a:t>
             </a:fld>
             <a:endParaRPr lang="en-US"/>
           </a:p>
@@ -1011,7 +1011,7 @@
           <a:p>
             <a:fld id="{30F42486-D2A3-2447-A496-D33DD53C7227}" type="datetimeFigureOut">
               <a:rPr lang="en-US" smtClean="0"/>
-              <a:t>1/6/19</a:t>
+              <a:t>12/01/20</a:t>
             </a:fld>
             <a:endParaRPr lang="en-US"/>
           </a:p>
@@ -1179,7 +1179,7 @@
           <a:p>
             <a:fld id="{30F42486-D2A3-2447-A496-D33DD53C7227}" type="datetimeFigureOut">
               <a:rPr lang="en-US" smtClean="0"/>
-              <a:t>1/6/19</a:t>
+              <a:t>12/01/20</a:t>
             </a:fld>
             <a:endParaRPr lang="en-US"/>
           </a:p>
@@ -1424,7 +1424,7 @@
           <a:p>
             <a:fld id="{30F42486-D2A3-2447-A496-D33DD53C7227}" type="datetimeFigureOut">
               <a:rPr lang="en-US" smtClean="0"/>
-              <a:t>1/6/19</a:t>
+              <a:t>12/01/20</a:t>
             </a:fld>
             <a:endParaRPr lang="en-US"/>
           </a:p>
@@ -1709,7 +1709,7 @@
           <a:p>
             <a:fld id="{30F42486-D2A3-2447-A496-D33DD53C7227}" type="datetimeFigureOut">
               <a:rPr lang="en-US" smtClean="0"/>
-              <a:t>1/6/19</a:t>
+              <a:t>12/01/20</a:t>
             </a:fld>
             <a:endParaRPr lang="en-US"/>
           </a:p>
@@ -2128,7 +2128,7 @@
           <a:p>
             <a:fld id="{30F42486-D2A3-2447-A496-D33DD53C7227}" type="datetimeFigureOut">
               <a:rPr lang="en-US" smtClean="0"/>
-              <a:t>1/6/19</a:t>
+              <a:t>12/01/20</a:t>
             </a:fld>
             <a:endParaRPr lang="en-US"/>
           </a:p>
@@ -2245,7 +2245,7 @@
           <a:p>
             <a:fld id="{30F42486-D2A3-2447-A496-D33DD53C7227}" type="datetimeFigureOut">
               <a:rPr lang="en-US" smtClean="0"/>
-              <a:t>1/6/19</a:t>
+              <a:t>12/01/20</a:t>
             </a:fld>
             <a:endParaRPr lang="en-US"/>
           </a:p>
@@ -2340,7 +2340,7 @@
           <a:p>
             <a:fld id="{30F42486-D2A3-2447-A496-D33DD53C7227}" type="datetimeFigureOut">
               <a:rPr lang="en-US" smtClean="0"/>
-              <a:t>1/6/19</a:t>
+              <a:t>12/01/20</a:t>
             </a:fld>
             <a:endParaRPr lang="en-US"/>
           </a:p>
@@ -2615,7 +2615,7 @@
           <a:p>
             <a:fld id="{30F42486-D2A3-2447-A496-D33DD53C7227}" type="datetimeFigureOut">
               <a:rPr lang="en-US" smtClean="0"/>
-              <a:t>1/6/19</a:t>
+              <a:t>12/01/20</a:t>
             </a:fld>
             <a:endParaRPr lang="en-US"/>
           </a:p>
@@ -2867,7 +2867,7 @@
           <a:p>
             <a:fld id="{30F42486-D2A3-2447-A496-D33DD53C7227}" type="datetimeFigureOut">
               <a:rPr lang="en-US" smtClean="0"/>
-              <a:t>1/6/19</a:t>
+              <a:t>12/01/20</a:t>
             </a:fld>
             <a:endParaRPr lang="en-US"/>
           </a:p>
@@ -3078,7 +3078,7 @@
           <a:p>
             <a:fld id="{30F42486-D2A3-2447-A496-D33DD53C7227}" type="datetimeFigureOut">
               <a:rPr lang="en-US" smtClean="0"/>
-              <a:t>1/6/19</a:t>
+              <a:t>12/01/20</a:t>
             </a:fld>
             <a:endParaRPr lang="en-US"/>
           </a:p>
@@ -4337,6 +4337,30 @@
           </a:p>
         </p:txBody>
       </p:sp>
+      <p:pic>
+        <p:nvPicPr>
+          <p:cNvPr id="2" name="Picture 1"/>
+          <p:cNvPicPr>
+            <a:picLocks noChangeAspect="1"/>
+          </p:cNvPicPr>
+          <p:nvPr/>
+        </p:nvPicPr>
+        <p:blipFill>
+          <a:blip r:embed="rId3"/>
+          <a:stretch>
+            <a:fillRect/>
+          </a:stretch>
+        </p:blipFill>
+        <p:spPr>
+          <a:xfrm>
+            <a:off x="-26639" y="0"/>
+            <a:ext cx="1726017" cy="1656976"/>
+          </a:xfrm>
+          <a:prstGeom prst="rect">
+            <a:avLst/>
+          </a:prstGeom>
+        </p:spPr>
+      </p:pic>
     </p:spTree>
     <p:extLst>
       <p:ext uri="{BB962C8B-B14F-4D97-AF65-F5344CB8AC3E}">
@@ -4935,7 +4959,7 @@
           <p:cNvPr id="12" name="AutoShape 3">
             <a:extLst>
               <a:ext uri="{FF2B5EF4-FFF2-40B4-BE49-F238E27FC236}">
-                <a16:creationId xmlns:a16="http://schemas.microsoft.com/office/drawing/2014/main" id="{6DA1094A-D7E7-544B-ADAF-2CA780286D4B}"/>
+                <a16:creationId xmlns:a16="http://schemas.microsoft.com/office/drawing/2014/main" xmlns="" id="{6DA1094A-D7E7-544B-ADAF-2CA780286D4B}"/>
               </a:ext>
             </a:extLst>
           </p:cNvPr>
@@ -4978,7 +5002,7 @@
           <p:cNvPr id="13" name="Picture 12">
             <a:extLst>
               <a:ext uri="{FF2B5EF4-FFF2-40B4-BE49-F238E27FC236}">
-                <a16:creationId xmlns:a16="http://schemas.microsoft.com/office/drawing/2014/main" id="{ACB67D9D-84C7-394D-B4B7-FCA87E592003}"/>
+                <a16:creationId xmlns:a16="http://schemas.microsoft.com/office/drawing/2014/main" xmlns="" id="{ACB67D9D-84C7-394D-B4B7-FCA87E592003}"/>
               </a:ext>
             </a:extLst>
           </p:cNvPr>
@@ -5003,6 +5027,30 @@
           <a:xfrm>
             <a:off x="0" y="63905"/>
             <a:ext cx="1516522" cy="1527085"/>
+          </a:xfrm>
+          <a:prstGeom prst="rect">
+            <a:avLst/>
+          </a:prstGeom>
+        </p:spPr>
+      </p:pic>
+      <p:pic>
+        <p:nvPicPr>
+          <p:cNvPr id="8" name="Picture 7"/>
+          <p:cNvPicPr>
+            <a:picLocks noChangeAspect="1"/>
+          </p:cNvPicPr>
+          <p:nvPr/>
+        </p:nvPicPr>
+        <p:blipFill>
+          <a:blip r:embed="rId3"/>
+          <a:stretch>
+            <a:fillRect/>
+          </a:stretch>
+        </p:blipFill>
+        <p:spPr>
+          <a:xfrm>
+            <a:off x="-26639" y="0"/>
+            <a:ext cx="1726017" cy="1656976"/>
           </a:xfrm>
           <a:prstGeom prst="rect">
             <a:avLst/>
@@ -5520,7 +5568,7 @@
           <p:cNvPr id="12" name="AutoShape 3">
             <a:extLst>
               <a:ext uri="{FF2B5EF4-FFF2-40B4-BE49-F238E27FC236}">
-                <a16:creationId xmlns:a16="http://schemas.microsoft.com/office/drawing/2014/main" id="{E3DC1BC5-14DE-3043-8E89-6EE19AF775F9}"/>
+                <a16:creationId xmlns:a16="http://schemas.microsoft.com/office/drawing/2014/main" xmlns="" id="{E3DC1BC5-14DE-3043-8E89-6EE19AF775F9}"/>
               </a:ext>
             </a:extLst>
           </p:cNvPr>
@@ -5563,7 +5611,7 @@
           <p:cNvPr id="13" name="Picture 12">
             <a:extLst>
               <a:ext uri="{FF2B5EF4-FFF2-40B4-BE49-F238E27FC236}">
-                <a16:creationId xmlns:a16="http://schemas.microsoft.com/office/drawing/2014/main" id="{254520DC-72D9-2A40-846C-43682ACA5E1B}"/>
+                <a16:creationId xmlns:a16="http://schemas.microsoft.com/office/drawing/2014/main" xmlns="" id="{254520DC-72D9-2A40-846C-43682ACA5E1B}"/>
               </a:ext>
             </a:extLst>
           </p:cNvPr>
@@ -5588,6 +5636,30 @@
           <a:xfrm>
             <a:off x="0" y="63905"/>
             <a:ext cx="1516522" cy="1527085"/>
+          </a:xfrm>
+          <a:prstGeom prst="rect">
+            <a:avLst/>
+          </a:prstGeom>
+        </p:spPr>
+      </p:pic>
+      <p:pic>
+        <p:nvPicPr>
+          <p:cNvPr id="8" name="Picture 7"/>
+          <p:cNvPicPr>
+            <a:picLocks noChangeAspect="1"/>
+          </p:cNvPicPr>
+          <p:nvPr/>
+        </p:nvPicPr>
+        <p:blipFill>
+          <a:blip r:embed="rId3"/>
+          <a:stretch>
+            <a:fillRect/>
+          </a:stretch>
+        </p:blipFill>
+        <p:spPr>
+          <a:xfrm>
+            <a:off x="-26639" y="0"/>
+            <a:ext cx="1726017" cy="1656976"/>
           </a:xfrm>
           <a:prstGeom prst="rect">
             <a:avLst/>
@@ -6152,7 +6224,7 @@
           <p:cNvPr id="8" name="AutoShape 3">
             <a:extLst>
               <a:ext uri="{FF2B5EF4-FFF2-40B4-BE49-F238E27FC236}">
-                <a16:creationId xmlns:a16="http://schemas.microsoft.com/office/drawing/2014/main" id="{EB2E7D98-85F0-474A-978A-BFDB0D85D20D}"/>
+                <a16:creationId xmlns:a16="http://schemas.microsoft.com/office/drawing/2014/main" xmlns="" id="{EB2E7D98-85F0-474A-978A-BFDB0D85D20D}"/>
               </a:ext>
             </a:extLst>
           </p:cNvPr>
@@ -6195,7 +6267,7 @@
           <p:cNvPr id="11" name="Picture 10">
             <a:extLst>
               <a:ext uri="{FF2B5EF4-FFF2-40B4-BE49-F238E27FC236}">
-                <a16:creationId xmlns:a16="http://schemas.microsoft.com/office/drawing/2014/main" id="{098FA708-7BD8-3847-BCBA-1329403BC5B1}"/>
+                <a16:creationId xmlns:a16="http://schemas.microsoft.com/office/drawing/2014/main" xmlns="" id="{098FA708-7BD8-3847-BCBA-1329403BC5B1}"/>
               </a:ext>
             </a:extLst>
           </p:cNvPr>
@@ -6220,6 +6292,30 @@
           <a:xfrm>
             <a:off x="0" y="63905"/>
             <a:ext cx="1516522" cy="1527085"/>
+          </a:xfrm>
+          <a:prstGeom prst="rect">
+            <a:avLst/>
+          </a:prstGeom>
+        </p:spPr>
+      </p:pic>
+      <p:pic>
+        <p:nvPicPr>
+          <p:cNvPr id="7" name="Picture 6"/>
+          <p:cNvPicPr>
+            <a:picLocks noChangeAspect="1"/>
+          </p:cNvPicPr>
+          <p:nvPr/>
+        </p:nvPicPr>
+        <p:blipFill>
+          <a:blip r:embed="rId3"/>
+          <a:stretch>
+            <a:fillRect/>
+          </a:stretch>
+        </p:blipFill>
+        <p:spPr>
+          <a:xfrm>
+            <a:off x="-26639" y="0"/>
+            <a:ext cx="1726017" cy="1656976"/>
           </a:xfrm>
           <a:prstGeom prst="rect">
             <a:avLst/>
@@ -6647,7 +6743,7 @@
           <p:cNvPr id="8" name="AutoShape 3">
             <a:extLst>
               <a:ext uri="{FF2B5EF4-FFF2-40B4-BE49-F238E27FC236}">
-                <a16:creationId xmlns:a16="http://schemas.microsoft.com/office/drawing/2014/main" id="{BA9426FF-1EC0-3844-BB82-FF71FFC065EF}"/>
+                <a16:creationId xmlns:a16="http://schemas.microsoft.com/office/drawing/2014/main" xmlns="" id="{BA9426FF-1EC0-3844-BB82-FF71FFC065EF}"/>
               </a:ext>
             </a:extLst>
           </p:cNvPr>
@@ -6690,7 +6786,7 @@
           <p:cNvPr id="11" name="Picture 10">
             <a:extLst>
               <a:ext uri="{FF2B5EF4-FFF2-40B4-BE49-F238E27FC236}">
-                <a16:creationId xmlns:a16="http://schemas.microsoft.com/office/drawing/2014/main" id="{070210C9-9F8C-1247-AABF-02A1C179B4E9}"/>
+                <a16:creationId xmlns:a16="http://schemas.microsoft.com/office/drawing/2014/main" xmlns="" id="{070210C9-9F8C-1247-AABF-02A1C179B4E9}"/>
               </a:ext>
             </a:extLst>
           </p:cNvPr>
@@ -6715,6 +6811,30 @@
           <a:xfrm>
             <a:off x="0" y="63905"/>
             <a:ext cx="1516522" cy="1527085"/>
+          </a:xfrm>
+          <a:prstGeom prst="rect">
+            <a:avLst/>
+          </a:prstGeom>
+        </p:spPr>
+      </p:pic>
+      <p:pic>
+        <p:nvPicPr>
+          <p:cNvPr id="7" name="Picture 6"/>
+          <p:cNvPicPr>
+            <a:picLocks noChangeAspect="1"/>
+          </p:cNvPicPr>
+          <p:nvPr/>
+        </p:nvPicPr>
+        <p:blipFill>
+          <a:blip r:embed="rId3"/>
+          <a:stretch>
+            <a:fillRect/>
+          </a:stretch>
+        </p:blipFill>
+        <p:spPr>
+          <a:xfrm>
+            <a:off x="-26639" y="0"/>
+            <a:ext cx="1726017" cy="1656976"/>
           </a:xfrm>
           <a:prstGeom prst="rect">
             <a:avLst/>
@@ -6952,7 +7072,7 @@
           <p:cNvPr id="12" name="AutoShape 3">
             <a:extLst>
               <a:ext uri="{FF2B5EF4-FFF2-40B4-BE49-F238E27FC236}">
-                <a16:creationId xmlns:a16="http://schemas.microsoft.com/office/drawing/2014/main" id="{0E99783C-A8A4-FD4B-959A-29138E4354E8}"/>
+                <a16:creationId xmlns:a16="http://schemas.microsoft.com/office/drawing/2014/main" xmlns="" id="{0E99783C-A8A4-FD4B-959A-29138E4354E8}"/>
               </a:ext>
             </a:extLst>
           </p:cNvPr>
@@ -6995,7 +7115,7 @@
           <p:cNvPr id="13" name="Picture 12">
             <a:extLst>
               <a:ext uri="{FF2B5EF4-FFF2-40B4-BE49-F238E27FC236}">
-                <a16:creationId xmlns:a16="http://schemas.microsoft.com/office/drawing/2014/main" id="{AF9BBCED-8D82-8749-96B0-EB07E1092727}"/>
+                <a16:creationId xmlns:a16="http://schemas.microsoft.com/office/drawing/2014/main" xmlns="" id="{AF9BBCED-8D82-8749-96B0-EB07E1092727}"/>
               </a:ext>
             </a:extLst>
           </p:cNvPr>
@@ -7020,6 +7140,30 @@
           <a:xfrm>
             <a:off x="0" y="63905"/>
             <a:ext cx="1516522" cy="1527085"/>
+          </a:xfrm>
+          <a:prstGeom prst="rect">
+            <a:avLst/>
+          </a:prstGeom>
+        </p:spPr>
+      </p:pic>
+      <p:pic>
+        <p:nvPicPr>
+          <p:cNvPr id="7" name="Picture 6"/>
+          <p:cNvPicPr>
+            <a:picLocks noChangeAspect="1"/>
+          </p:cNvPicPr>
+          <p:nvPr/>
+        </p:nvPicPr>
+        <p:blipFill>
+          <a:blip r:embed="rId3"/>
+          <a:stretch>
+            <a:fillRect/>
+          </a:stretch>
+        </p:blipFill>
+        <p:spPr>
+          <a:xfrm>
+            <a:off x="-26639" y="0"/>
+            <a:ext cx="1726017" cy="1656976"/>
           </a:xfrm>
           <a:prstGeom prst="rect">
             <a:avLst/>
@@ -7249,7 +7393,7 @@
           <p:cNvPr id="8" name="AutoShape 3">
             <a:extLst>
               <a:ext uri="{FF2B5EF4-FFF2-40B4-BE49-F238E27FC236}">
-                <a16:creationId xmlns:a16="http://schemas.microsoft.com/office/drawing/2014/main" id="{2428BBDB-E839-044D-8F0F-6F5A68DCC184}"/>
+                <a16:creationId xmlns:a16="http://schemas.microsoft.com/office/drawing/2014/main" xmlns="" id="{2428BBDB-E839-044D-8F0F-6F5A68DCC184}"/>
               </a:ext>
             </a:extLst>
           </p:cNvPr>
@@ -7292,7 +7436,7 @@
           <p:cNvPr id="11" name="Picture 10">
             <a:extLst>
               <a:ext uri="{FF2B5EF4-FFF2-40B4-BE49-F238E27FC236}">
-                <a16:creationId xmlns:a16="http://schemas.microsoft.com/office/drawing/2014/main" id="{10907FA9-D206-1848-B899-A668C293EF21}"/>
+                <a16:creationId xmlns:a16="http://schemas.microsoft.com/office/drawing/2014/main" xmlns="" id="{10907FA9-D206-1848-B899-A668C293EF21}"/>
               </a:ext>
             </a:extLst>
           </p:cNvPr>
@@ -7317,6 +7461,30 @@
           <a:xfrm>
             <a:off x="0" y="63905"/>
             <a:ext cx="1516522" cy="1527085"/>
+          </a:xfrm>
+          <a:prstGeom prst="rect">
+            <a:avLst/>
+          </a:prstGeom>
+        </p:spPr>
+      </p:pic>
+      <p:pic>
+        <p:nvPicPr>
+          <p:cNvPr id="7" name="Picture 6"/>
+          <p:cNvPicPr>
+            <a:picLocks noChangeAspect="1"/>
+          </p:cNvPicPr>
+          <p:nvPr/>
+        </p:nvPicPr>
+        <p:blipFill>
+          <a:blip r:embed="rId3"/>
+          <a:stretch>
+            <a:fillRect/>
+          </a:stretch>
+        </p:blipFill>
+        <p:spPr>
+          <a:xfrm>
+            <a:off x="-26639" y="0"/>
+            <a:ext cx="1726017" cy="1656976"/>
           </a:xfrm>
           <a:prstGeom prst="rect">
             <a:avLst/>
@@ -7546,7 +7714,7 @@
           <p:cNvPr id="8" name="AutoShape 3">
             <a:extLst>
               <a:ext uri="{FF2B5EF4-FFF2-40B4-BE49-F238E27FC236}">
-                <a16:creationId xmlns:a16="http://schemas.microsoft.com/office/drawing/2014/main" id="{C24A734A-D772-0745-BD13-79D5985EEADA}"/>
+                <a16:creationId xmlns:a16="http://schemas.microsoft.com/office/drawing/2014/main" xmlns="" id="{C24A734A-D772-0745-BD13-79D5985EEADA}"/>
               </a:ext>
             </a:extLst>
           </p:cNvPr>
@@ -7589,7 +7757,7 @@
           <p:cNvPr id="11" name="Picture 10">
             <a:extLst>
               <a:ext uri="{FF2B5EF4-FFF2-40B4-BE49-F238E27FC236}">
-                <a16:creationId xmlns:a16="http://schemas.microsoft.com/office/drawing/2014/main" id="{A780B568-C55A-0443-A838-BA7534641062}"/>
+                <a16:creationId xmlns:a16="http://schemas.microsoft.com/office/drawing/2014/main" xmlns="" id="{A780B568-C55A-0443-A838-BA7534641062}"/>
               </a:ext>
             </a:extLst>
           </p:cNvPr>
@@ -7614,6 +7782,30 @@
           <a:xfrm>
             <a:off x="0" y="63905"/>
             <a:ext cx="1516522" cy="1527085"/>
+          </a:xfrm>
+          <a:prstGeom prst="rect">
+            <a:avLst/>
+          </a:prstGeom>
+        </p:spPr>
+      </p:pic>
+      <p:pic>
+        <p:nvPicPr>
+          <p:cNvPr id="7" name="Picture 6"/>
+          <p:cNvPicPr>
+            <a:picLocks noChangeAspect="1"/>
+          </p:cNvPicPr>
+          <p:nvPr/>
+        </p:nvPicPr>
+        <p:blipFill>
+          <a:blip r:embed="rId3"/>
+          <a:stretch>
+            <a:fillRect/>
+          </a:stretch>
+        </p:blipFill>
+        <p:spPr>
+          <a:xfrm>
+            <a:off x="-26639" y="0"/>
+            <a:ext cx="1726017" cy="1656976"/>
           </a:xfrm>
           <a:prstGeom prst="rect">
             <a:avLst/>
@@ -7854,7 +8046,7 @@
           <p:cNvPr id="8" name="AutoShape 3">
             <a:extLst>
               <a:ext uri="{FF2B5EF4-FFF2-40B4-BE49-F238E27FC236}">
-                <a16:creationId xmlns:a16="http://schemas.microsoft.com/office/drawing/2014/main" id="{B2EB7784-7DC7-6C47-A14B-430BFC381525}"/>
+                <a16:creationId xmlns:a16="http://schemas.microsoft.com/office/drawing/2014/main" xmlns="" id="{B2EB7784-7DC7-6C47-A14B-430BFC381525}"/>
               </a:ext>
             </a:extLst>
           </p:cNvPr>
@@ -7897,7 +8089,7 @@
           <p:cNvPr id="11" name="Picture 10">
             <a:extLst>
               <a:ext uri="{FF2B5EF4-FFF2-40B4-BE49-F238E27FC236}">
-                <a16:creationId xmlns:a16="http://schemas.microsoft.com/office/drawing/2014/main" id="{A4D32AF5-437D-E642-9DB1-86766D123BDC}"/>
+                <a16:creationId xmlns:a16="http://schemas.microsoft.com/office/drawing/2014/main" xmlns="" id="{A4D32AF5-437D-E642-9DB1-86766D123BDC}"/>
               </a:ext>
             </a:extLst>
           </p:cNvPr>
@@ -7922,6 +8114,30 @@
           <a:xfrm>
             <a:off x="0" y="63905"/>
             <a:ext cx="1516522" cy="1527085"/>
+          </a:xfrm>
+          <a:prstGeom prst="rect">
+            <a:avLst/>
+          </a:prstGeom>
+        </p:spPr>
+      </p:pic>
+      <p:pic>
+        <p:nvPicPr>
+          <p:cNvPr id="7" name="Picture 6"/>
+          <p:cNvPicPr>
+            <a:picLocks noChangeAspect="1"/>
+          </p:cNvPicPr>
+          <p:nvPr/>
+        </p:nvPicPr>
+        <p:blipFill>
+          <a:blip r:embed="rId3"/>
+          <a:stretch>
+            <a:fillRect/>
+          </a:stretch>
+        </p:blipFill>
+        <p:spPr>
+          <a:xfrm>
+            <a:off x="-26639" y="0"/>
+            <a:ext cx="1726017" cy="1656976"/>
           </a:xfrm>
           <a:prstGeom prst="rect">
             <a:avLst/>
@@ -8474,7 +8690,7 @@
           <p:cNvPr id="12" name="AutoShape 3">
             <a:extLst>
               <a:ext uri="{FF2B5EF4-FFF2-40B4-BE49-F238E27FC236}">
-                <a16:creationId xmlns:a16="http://schemas.microsoft.com/office/drawing/2014/main" id="{47BA5256-D2BB-2A41-B722-0DCB003B2F90}"/>
+                <a16:creationId xmlns:a16="http://schemas.microsoft.com/office/drawing/2014/main" xmlns="" id="{47BA5256-D2BB-2A41-B722-0DCB003B2F90}"/>
               </a:ext>
             </a:extLst>
           </p:cNvPr>
@@ -8517,7 +8733,7 @@
           <p:cNvPr id="13" name="Picture 12">
             <a:extLst>
               <a:ext uri="{FF2B5EF4-FFF2-40B4-BE49-F238E27FC236}">
-                <a16:creationId xmlns:a16="http://schemas.microsoft.com/office/drawing/2014/main" id="{40E66131-109A-8B47-A71F-43A77BAB0627}"/>
+                <a16:creationId xmlns:a16="http://schemas.microsoft.com/office/drawing/2014/main" xmlns="" id="{40E66131-109A-8B47-A71F-43A77BAB0627}"/>
               </a:ext>
             </a:extLst>
           </p:cNvPr>
@@ -8542,6 +8758,30 @@
           <a:xfrm>
             <a:off x="0" y="63905"/>
             <a:ext cx="1516522" cy="1527085"/>
+          </a:xfrm>
+          <a:prstGeom prst="rect">
+            <a:avLst/>
+          </a:prstGeom>
+        </p:spPr>
+      </p:pic>
+      <p:pic>
+        <p:nvPicPr>
+          <p:cNvPr id="8" name="Picture 7"/>
+          <p:cNvPicPr>
+            <a:picLocks noChangeAspect="1"/>
+          </p:cNvPicPr>
+          <p:nvPr/>
+        </p:nvPicPr>
+        <p:blipFill>
+          <a:blip r:embed="rId3"/>
+          <a:stretch>
+            <a:fillRect/>
+          </a:stretch>
+        </p:blipFill>
+        <p:spPr>
+          <a:xfrm>
+            <a:off x="-26639" y="0"/>
+            <a:ext cx="1726017" cy="1656976"/>
           </a:xfrm>
           <a:prstGeom prst="rect">
             <a:avLst/>
@@ -9221,7 +9461,7 @@
           <p:cNvPr id="12" name="AutoShape 3">
             <a:extLst>
               <a:ext uri="{FF2B5EF4-FFF2-40B4-BE49-F238E27FC236}">
-                <a16:creationId xmlns:a16="http://schemas.microsoft.com/office/drawing/2014/main" id="{F81CA758-6363-C241-AAAC-5AD4A165FB80}"/>
+                <a16:creationId xmlns:a16="http://schemas.microsoft.com/office/drawing/2014/main" xmlns="" id="{F81CA758-6363-C241-AAAC-5AD4A165FB80}"/>
               </a:ext>
             </a:extLst>
           </p:cNvPr>
@@ -9264,7 +9504,7 @@
           <p:cNvPr id="13" name="Picture 12">
             <a:extLst>
               <a:ext uri="{FF2B5EF4-FFF2-40B4-BE49-F238E27FC236}">
-                <a16:creationId xmlns:a16="http://schemas.microsoft.com/office/drawing/2014/main" id="{C78479DF-D667-D04E-BB19-BDEB9334AF0E}"/>
+                <a16:creationId xmlns:a16="http://schemas.microsoft.com/office/drawing/2014/main" xmlns="" id="{C78479DF-D667-D04E-BB19-BDEB9334AF0E}"/>
               </a:ext>
             </a:extLst>
           </p:cNvPr>
@@ -9289,6 +9529,30 @@
           <a:xfrm>
             <a:off x="0" y="63905"/>
             <a:ext cx="1516522" cy="1527085"/>
+          </a:xfrm>
+          <a:prstGeom prst="rect">
+            <a:avLst/>
+          </a:prstGeom>
+        </p:spPr>
+      </p:pic>
+      <p:pic>
+        <p:nvPicPr>
+          <p:cNvPr id="8" name="Picture 7"/>
+          <p:cNvPicPr>
+            <a:picLocks noChangeAspect="1"/>
+          </p:cNvPicPr>
+          <p:nvPr/>
+        </p:nvPicPr>
+        <p:blipFill>
+          <a:blip r:embed="rId3"/>
+          <a:stretch>
+            <a:fillRect/>
+          </a:stretch>
+        </p:blipFill>
+        <p:spPr>
+          <a:xfrm>
+            <a:off x="-26639" y="0"/>
+            <a:ext cx="1726017" cy="1656976"/>
           </a:xfrm>
           <a:prstGeom prst="rect">
             <a:avLst/>
@@ -9907,7 +10171,7 @@
           <p:cNvPr id="12" name="AutoShape 3">
             <a:extLst>
               <a:ext uri="{FF2B5EF4-FFF2-40B4-BE49-F238E27FC236}">
-                <a16:creationId xmlns:a16="http://schemas.microsoft.com/office/drawing/2014/main" id="{00670654-432F-F442-997A-A04EC4648E3A}"/>
+                <a16:creationId xmlns:a16="http://schemas.microsoft.com/office/drawing/2014/main" xmlns="" id="{00670654-432F-F442-997A-A04EC4648E3A}"/>
               </a:ext>
             </a:extLst>
           </p:cNvPr>
@@ -9950,7 +10214,7 @@
           <p:cNvPr id="13" name="Picture 12">
             <a:extLst>
               <a:ext uri="{FF2B5EF4-FFF2-40B4-BE49-F238E27FC236}">
-                <a16:creationId xmlns:a16="http://schemas.microsoft.com/office/drawing/2014/main" id="{2E86D427-5C26-5941-8EFB-AB843D4E886A}"/>
+                <a16:creationId xmlns:a16="http://schemas.microsoft.com/office/drawing/2014/main" xmlns="" id="{2E86D427-5C26-5941-8EFB-AB843D4E886A}"/>
               </a:ext>
             </a:extLst>
           </p:cNvPr>
@@ -9975,6 +10239,30 @@
           <a:xfrm>
             <a:off x="0" y="63905"/>
             <a:ext cx="1516522" cy="1527085"/>
+          </a:xfrm>
+          <a:prstGeom prst="rect">
+            <a:avLst/>
+          </a:prstGeom>
+        </p:spPr>
+      </p:pic>
+      <p:pic>
+        <p:nvPicPr>
+          <p:cNvPr id="8" name="Picture 7"/>
+          <p:cNvPicPr>
+            <a:picLocks noChangeAspect="1"/>
+          </p:cNvPicPr>
+          <p:nvPr/>
+        </p:nvPicPr>
+        <p:blipFill>
+          <a:blip r:embed="rId3"/>
+          <a:stretch>
+            <a:fillRect/>
+          </a:stretch>
+        </p:blipFill>
+        <p:spPr>
+          <a:xfrm>
+            <a:off x="-26639" y="0"/>
+            <a:ext cx="1726017" cy="1656976"/>
           </a:xfrm>
           <a:prstGeom prst="rect">
             <a:avLst/>
